--- a/Session 1 - Setting Up/Session 1 – Hooking Up.pptx
+++ b/Session 1 - Setting Up/Session 1 – Hooking Up.pptx
@@ -295,7 +295,7 @@
           <a:p>
             <a:fld id="{039EA473-9EFC-4B7E-99B6-2C9FA6D137D9}" type="datetimeFigureOut">
               <a:rPr lang="en-US" smtClean="0"/>
-              <a:t>2/27/2018</a:t>
+              <a:t>3/5/2019</a:t>
             </a:fld>
             <a:endParaRPr lang="en-US"/>
           </a:p>
@@ -465,7 +465,7 @@
           <a:p>
             <a:fld id="{039EA473-9EFC-4B7E-99B6-2C9FA6D137D9}" type="datetimeFigureOut">
               <a:rPr lang="en-US" smtClean="0"/>
-              <a:t>2/27/2018</a:t>
+              <a:t>3/5/2019</a:t>
             </a:fld>
             <a:endParaRPr lang="en-US"/>
           </a:p>
@@ -645,7 +645,7 @@
           <a:p>
             <a:fld id="{039EA473-9EFC-4B7E-99B6-2C9FA6D137D9}" type="datetimeFigureOut">
               <a:rPr lang="en-US" smtClean="0"/>
-              <a:t>2/27/2018</a:t>
+              <a:t>3/5/2019</a:t>
             </a:fld>
             <a:endParaRPr lang="en-US"/>
           </a:p>
@@ -815,7 +815,7 @@
           <a:p>
             <a:fld id="{039EA473-9EFC-4B7E-99B6-2C9FA6D137D9}" type="datetimeFigureOut">
               <a:rPr lang="en-US" smtClean="0"/>
-              <a:t>2/27/2018</a:t>
+              <a:t>3/5/2019</a:t>
             </a:fld>
             <a:endParaRPr lang="en-US"/>
           </a:p>
@@ -1061,7 +1061,7 @@
           <a:p>
             <a:fld id="{039EA473-9EFC-4B7E-99B6-2C9FA6D137D9}" type="datetimeFigureOut">
               <a:rPr lang="en-US" smtClean="0"/>
-              <a:t>2/27/2018</a:t>
+              <a:t>3/5/2019</a:t>
             </a:fld>
             <a:endParaRPr lang="en-US"/>
           </a:p>
@@ -1349,7 +1349,7 @@
           <a:p>
             <a:fld id="{039EA473-9EFC-4B7E-99B6-2C9FA6D137D9}" type="datetimeFigureOut">
               <a:rPr lang="en-US" smtClean="0"/>
-              <a:t>2/27/2018</a:t>
+              <a:t>3/5/2019</a:t>
             </a:fld>
             <a:endParaRPr lang="en-US"/>
           </a:p>
@@ -1771,7 +1771,7 @@
           <a:p>
             <a:fld id="{039EA473-9EFC-4B7E-99B6-2C9FA6D137D9}" type="datetimeFigureOut">
               <a:rPr lang="en-US" smtClean="0"/>
-              <a:t>2/27/2018</a:t>
+              <a:t>3/5/2019</a:t>
             </a:fld>
             <a:endParaRPr lang="en-US"/>
           </a:p>
@@ -1889,7 +1889,7 @@
           <a:p>
             <a:fld id="{039EA473-9EFC-4B7E-99B6-2C9FA6D137D9}" type="datetimeFigureOut">
               <a:rPr lang="en-US" smtClean="0"/>
-              <a:t>2/27/2018</a:t>
+              <a:t>3/5/2019</a:t>
             </a:fld>
             <a:endParaRPr lang="en-US"/>
           </a:p>
@@ -1984,7 +1984,7 @@
           <a:p>
             <a:fld id="{039EA473-9EFC-4B7E-99B6-2C9FA6D137D9}" type="datetimeFigureOut">
               <a:rPr lang="en-US" smtClean="0"/>
-              <a:t>2/27/2018</a:t>
+              <a:t>3/5/2019</a:t>
             </a:fld>
             <a:endParaRPr lang="en-US"/>
           </a:p>
@@ -2261,7 +2261,7 @@
           <a:p>
             <a:fld id="{039EA473-9EFC-4B7E-99B6-2C9FA6D137D9}" type="datetimeFigureOut">
               <a:rPr lang="en-US" smtClean="0"/>
-              <a:t>2/27/2018</a:t>
+              <a:t>3/5/2019</a:t>
             </a:fld>
             <a:endParaRPr lang="en-US"/>
           </a:p>
@@ -2514,7 +2514,7 @@
           <a:p>
             <a:fld id="{039EA473-9EFC-4B7E-99B6-2C9FA6D137D9}" type="datetimeFigureOut">
               <a:rPr lang="en-US" smtClean="0"/>
-              <a:t>2/27/2018</a:t>
+              <a:t>3/5/2019</a:t>
             </a:fld>
             <a:endParaRPr lang="en-US"/>
           </a:p>
@@ -2727,7 +2727,7 @@
           <a:p>
             <a:fld id="{039EA473-9EFC-4B7E-99B6-2C9FA6D137D9}" type="datetimeFigureOut">
               <a:rPr lang="en-US" smtClean="0"/>
-              <a:t>2/27/2018</a:t>
+              <a:t>3/5/2019</a:t>
             </a:fld>
             <a:endParaRPr lang="en-US"/>
           </a:p>
@@ -4158,9 +4158,26 @@
           </a:p>
           <a:p>
             <a:r>
+              <a:rPr lang="en-US" smtClean="0"/>
+              <a:t>Many </a:t>
+            </a:r>
+            <a:r>
+              <a:rPr lang="en-US" smtClean="0"/>
+              <a:t>free</a:t>
+            </a:r>
+            <a:r>
+              <a:rPr lang="en-US" smtClean="0"/>
+              <a:t> </a:t>
+            </a:r>
+            <a:r>
               <a:rPr lang="en-US" dirty="0" smtClean="0"/>
-              <a:t>Many open-source IDE’s</a:t>
-            </a:r>
+              <a:t>IDE’s and </a:t>
+            </a:r>
+            <a:r>
+              <a:rPr lang="en-US" smtClean="0"/>
+              <a:t>Text Editors</a:t>
+            </a:r>
+            <a:endParaRPr lang="en-US" dirty="0" smtClean="0"/>
           </a:p>
           <a:p>
             <a:pPr lvl="1"/>
